--- a/circularLinkedList 수업자료.pptx
+++ b/circularLinkedList 수업자료.pptx
@@ -106,6 +106,11 @@
       </a:defRPr>
     </a:lvl9pPr>
   </p:defaultTextStyle>
+  <p:extLst>
+    <p:ext uri="{EFAFB233-063F-42B5-8137-9DF3F51BA10A}">
+      <p15:sldGuideLst xmlns:p15="http://schemas.microsoft.com/office/powerpoint/2012/main"/>
+    </p:ext>
+  </p:extLst>
 </p:presentation>
 </file>
 
@@ -4890,8 +4895,8 @@
         </p:nvSpPr>
         <p:spPr>
           <a:xfrm>
-            <a:off x="9647096" y="4166944"/>
-            <a:ext cx="2260555" cy="830997"/>
+            <a:off x="7978558" y="5254188"/>
+            <a:ext cx="4126451" cy="830997"/>
           </a:xfrm>
           <a:prstGeom prst="rect">
             <a:avLst/>
@@ -4904,13 +4909,21 @@
           </a:bodyPr>
           <a:lstStyle/>
           <a:p>
-            <a:r>
-              <a:rPr lang="ko-KR" altLang="en-US" sz="1600" dirty="0"/>
-              <a:t>헤</a:t>
-            </a:r>
+            <a:pPr marL="342900" indent="-342900">
+              <a:buFont typeface="+mj-lt"/>
+              <a:buAutoNum type="arabicPeriod"/>
+            </a:pPr>
             <a:r>
               <a:rPr lang="ko-KR" altLang="en-US" sz="1600" dirty="0" smtClean="0"/>
-              <a:t>드</a:t>
+              <a:t>헤드</a:t>
+            </a:r>
+            <a:r>
+              <a:rPr lang="en-US" altLang="ko-KR" sz="1600" dirty="0"/>
+              <a:t> </a:t>
+            </a:r>
+            <a:r>
+              <a:rPr lang="ko-KR" altLang="en-US" sz="1600" dirty="0" err="1" smtClean="0"/>
+              <a:t>주소값</a:t>
             </a:r>
             <a:r>
               <a:rPr lang="en-US" altLang="ko-KR" sz="1600" dirty="0" smtClean="0"/>
@@ -4918,26 +4931,42 @@
             </a:r>
             <a:r>
               <a:rPr lang="ko-KR" altLang="en-US" sz="1600" dirty="0" err="1" smtClean="0"/>
-              <a:t>첫노드링크</a:t>
+              <a:t>첫노드</a:t>
+            </a:r>
+            <a:r>
+              <a:rPr lang="ko-KR" altLang="en-US" sz="1600" dirty="0" smtClean="0"/>
+              <a:t> 링크 정보에 삽입</a:t>
             </a:r>
             <a:endParaRPr lang="en-US" altLang="ko-KR" sz="1600" dirty="0" smtClean="0"/>
           </a:p>
           <a:p>
+            <a:pPr marL="342900" indent="-342900">
+              <a:buFont typeface="+mj-lt"/>
+              <a:buAutoNum type="arabicPeriod"/>
+            </a:pPr>
             <a:r>
               <a:rPr lang="ko-KR" altLang="en-US" sz="1600" dirty="0" err="1" smtClean="0"/>
-              <a:t>첫노드주소</a:t>
+              <a:t>첫노드</a:t>
+            </a:r>
+            <a:r>
+              <a:rPr lang="ko-KR" altLang="en-US" sz="1600" dirty="0" smtClean="0"/>
+              <a:t> 주소 </a:t>
             </a:r>
             <a:r>
               <a:rPr lang="en-US" altLang="ko-KR" sz="1600" dirty="0" smtClean="0"/>
-              <a:t>-&gt;</a:t>
+              <a:t>-&gt; </a:t>
             </a:r>
             <a:r>
               <a:rPr lang="ko-KR" altLang="en-US" sz="1600" dirty="0" smtClean="0"/>
-              <a:t>헤드</a:t>
+              <a:t>헤드 링크 정보에 삽입</a:t>
             </a:r>
             <a:endParaRPr lang="en-US" altLang="ko-KR" sz="1600" dirty="0" smtClean="0"/>
           </a:p>
           <a:p>
+            <a:pPr marL="342900" indent="-342900">
+              <a:buFont typeface="+mj-lt"/>
+              <a:buAutoNum type="arabicPeriod"/>
+            </a:pPr>
             <a:r>
               <a:rPr lang="ko-KR" altLang="en-US" sz="1600" dirty="0" smtClean="0"/>
               <a:t>헤드</a:t>
@@ -5848,7 +5877,7 @@
         <p:spPr>
           <a:xfrm>
             <a:off x="103366" y="201912"/>
-            <a:ext cx="3661580" cy="369332"/>
+            <a:ext cx="2425664" cy="369332"/>
           </a:xfrm>
           <a:prstGeom prst="rect">
             <a:avLst/>
@@ -5862,12 +5891,16 @@
           <a:lstStyle/>
           <a:p>
             <a:r>
-              <a:rPr lang="ko-KR" altLang="en-US" dirty="0" err="1" smtClean="0"/>
+              <a:rPr lang="ko-KR" altLang="en-US" err="1" smtClean="0"/>
               <a:t>마지막노드</a:t>
             </a:r>
             <a:r>
-              <a:rPr lang="ko-KR" altLang="en-US" dirty="0" smtClean="0"/>
-              <a:t> 추가의 경우 변경사항</a:t>
+              <a:rPr lang="ko-KR" altLang="en-US" smtClean="0"/>
+              <a:t> </a:t>
+            </a:r>
+            <a:r>
+              <a:rPr lang="ko-KR" altLang="en-US" smtClean="0"/>
+              <a:t>추가 삽입</a:t>
             </a:r>
             <a:endParaRPr lang="ko-KR" altLang="en-US" dirty="0"/>
           </a:p>
